--- a/Decision trees/Slides/CEA and Decision Modeling Overview_with Decision tree slides.pptx
+++ b/Decision trees/Slides/CEA and Decision Modeling Overview_with Decision tree slides.pptx
@@ -211,7 +211,7 @@
           <a:p>
             <a:fld id="{80022054-F6B9-B04E-9F80-BE6C2BED9348}" type="datetimeFigureOut">
               <a:rPr lang="en-US" smtClean="0"/>
-              <a:t>2/2/20</a:t>
+              <a:t>2/3/20</a:t>
             </a:fld>
             <a:endParaRPr lang="en-US"/>
           </a:p>
@@ -2534,7 +2534,7 @@
           <a:p>
             <a:fld id="{CB634AAD-AC3C-4F24-B5C0-1761CB9C20B3}" type="datetime1">
               <a:rPr lang="en-US" smtClean="0"/>
-              <a:t>2/2/20</a:t>
+              <a:t>2/3/20</a:t>
             </a:fld>
             <a:endParaRPr lang="en-US"/>
           </a:p>
@@ -2867,7 +2867,7 @@
           <a:p>
             <a:fld id="{AF58B934-03E5-4DEE-840D-354C57FF6DD8}" type="datetime1">
               <a:rPr lang="en-US" smtClean="0"/>
-              <a:t>2/2/20</a:t>
+              <a:t>2/3/20</a:t>
             </a:fld>
             <a:endParaRPr lang="en-US"/>
           </a:p>
@@ -3051,7 +3051,7 @@
           <a:p>
             <a:fld id="{CDBD6EDD-8212-4CC1-A46C-60F2740FE912}" type="datetime1">
               <a:rPr lang="en-US" smtClean="0"/>
-              <a:t>2/2/20</a:t>
+              <a:t>2/3/20</a:t>
             </a:fld>
             <a:endParaRPr lang="en-US"/>
           </a:p>
@@ -3241,7 +3241,7 @@
           <a:p>
             <a:fld id="{ECC9A538-5928-443A-B2DD-6EEAA70C9EA3}" type="datetime1">
               <a:rPr lang="en-US" smtClean="0"/>
-              <a:t>2/2/20</a:t>
+              <a:t>2/3/20</a:t>
             </a:fld>
             <a:endParaRPr lang="en-US"/>
           </a:p>
@@ -3393,7 +3393,7 @@
           <a:p>
             <a:fld id="{F9657FAC-F191-4D41-846F-1D23273BCACE}" type="datetime1">
               <a:rPr lang="en-US" smtClean="0"/>
-              <a:t>2/2/20</a:t>
+              <a:t>2/3/20</a:t>
             </a:fld>
             <a:endParaRPr lang="en-US"/>
           </a:p>
@@ -3484,7 +3484,7 @@
           <a:p>
             <a:fld id="{BFCD98B2-BE87-44A5-9DF5-DF786278A694}" type="datetime1">
               <a:rPr lang="en-US" smtClean="0"/>
-              <a:t>2/2/20</a:t>
+              <a:t>2/3/20</a:t>
             </a:fld>
             <a:endParaRPr lang="en-US"/>
           </a:p>
@@ -3522,7 +3522,7 @@
           <a:noFill/>
           <a:extLst>
             <a:ext uri="{909E8E84-426E-40dd-AFC4-6F175D3DCCD1}">
-              <a14:hiddenFill xmlns:a14="http://schemas.microsoft.com/office/drawing/2010/main" xmlns="">
+              <a14:hiddenFill xmlns="" xmlns:a14="http://schemas.microsoft.com/office/drawing/2010/main">
                 <a:solidFill>
                   <a:srgbClr val="FFFFFF"/>
                 </a:solidFill>
@@ -3563,7 +3563,7 @@
           <a:noFill/>
           <a:extLst>
             <a:ext uri="{909E8E84-426E-40dd-AFC4-6F175D3DCCD1}">
-              <a14:hiddenFill xmlns:a14="http://schemas.microsoft.com/office/drawing/2010/main" xmlns="">
+              <a14:hiddenFill xmlns="" xmlns:a14="http://schemas.microsoft.com/office/drawing/2010/main">
                 <a:solidFill>
                   <a:srgbClr val="FFFFFF"/>
                 </a:solidFill>
@@ -4886,7 +4886,7 @@
           <a:noFill/>
           <a:extLst>
             <a:ext uri="{909E8E84-426E-40dd-AFC4-6F175D3DCCD1}">
-              <a14:hiddenFill xmlns:a14="http://schemas.microsoft.com/office/drawing/2010/main" xmlns="">
+              <a14:hiddenFill xmlns="" xmlns:a14="http://schemas.microsoft.com/office/drawing/2010/main">
                 <a:solidFill>
                   <a:srgbClr val="FFFFFF"/>
                 </a:solidFill>
@@ -4925,7 +4925,7 @@
           <a:noFill/>
           <a:extLst>
             <a:ext uri="{909E8E84-426E-40dd-AFC4-6F175D3DCCD1}">
-              <a14:hiddenFill xmlns:a14="http://schemas.microsoft.com/office/drawing/2010/main" xmlns="">
+              <a14:hiddenFill xmlns="" xmlns:a14="http://schemas.microsoft.com/office/drawing/2010/main">
                 <a:solidFill>
                   <a:srgbClr val="FFFFFF"/>
                 </a:solidFill>
@@ -5020,7 +5020,7 @@
           <a:noFill/>
           <a:extLst>
             <a:ext uri="{909E8E84-426E-40dd-AFC4-6F175D3DCCD1}">
-              <a14:hiddenFill xmlns:a14="http://schemas.microsoft.com/office/drawing/2010/main" xmlns="">
+              <a14:hiddenFill xmlns="" xmlns:a14="http://schemas.microsoft.com/office/drawing/2010/main">
                 <a:solidFill>
                   <a:srgbClr val="FFFFFF"/>
                 </a:solidFill>
@@ -5061,7 +5061,7 @@
           <a:noFill/>
           <a:extLst>
             <a:ext uri="{909E8E84-426E-40dd-AFC4-6F175D3DCCD1}">
-              <a14:hiddenFill xmlns:a14="http://schemas.microsoft.com/office/drawing/2010/main" xmlns="">
+              <a14:hiddenFill xmlns="" xmlns:a14="http://schemas.microsoft.com/office/drawing/2010/main">
                 <a:solidFill>
                   <a:srgbClr val="FFFFFF"/>
                 </a:solidFill>
@@ -5106,14 +5106,14 @@
           <a:effectLst/>
           <a:extLst>
             <a:ext uri="{909E8E84-426E-40dd-AFC4-6F175D3DCCD1}">
-              <a14:hiddenFill xmlns:a14="http://schemas.microsoft.com/office/drawing/2010/main" xmlns="">
+              <a14:hiddenFill xmlns="" xmlns:a14="http://schemas.microsoft.com/office/drawing/2010/main">
                 <a:solidFill>
                   <a:schemeClr val="accent1"/>
                 </a:solidFill>
               </a14:hiddenFill>
             </a:ext>
             <a:ext uri="{91240B29-F687-4f45-9708-019B960494DF}">
-              <a14:hiddenLine xmlns:a14="http://schemas.microsoft.com/office/drawing/2010/main" xmlns="" w="9525">
+              <a14:hiddenLine xmlns="" xmlns:a14="http://schemas.microsoft.com/office/drawing/2010/main" w="9525">
                 <a:solidFill>
                   <a:schemeClr val="tx1"/>
                 </a:solidFill>
@@ -5123,7 +5123,7 @@
               </a14:hiddenLine>
             </a:ext>
             <a:ext uri="{AF507438-7753-43e0-B8FC-AC1667EBCBE1}">
-              <a14:hiddenEffects xmlns:a14="http://schemas.microsoft.com/office/drawing/2010/main" xmlns="">
+              <a14:hiddenEffects xmlns="" xmlns:a14="http://schemas.microsoft.com/office/drawing/2010/main">
                 <a:effectLst>
                   <a:outerShdw dist="35921" dir="2700000" algn="ctr" rotWithShape="0">
                     <a:schemeClr val="bg2"/>
@@ -5170,14 +5170,14 @@
           <a:effectLst/>
           <a:extLst>
             <a:ext uri="{909E8E84-426E-40dd-AFC4-6F175D3DCCD1}">
-              <a14:hiddenFill xmlns:a14="http://schemas.microsoft.com/office/drawing/2010/main" xmlns="">
+              <a14:hiddenFill xmlns="" xmlns:a14="http://schemas.microsoft.com/office/drawing/2010/main">
                 <a:solidFill>
                   <a:schemeClr val="accent1"/>
                 </a:solidFill>
               </a14:hiddenFill>
             </a:ext>
             <a:ext uri="{91240B29-F687-4f45-9708-019B960494DF}">
-              <a14:hiddenLine xmlns:a14="http://schemas.microsoft.com/office/drawing/2010/main" xmlns="" w="9525">
+              <a14:hiddenLine xmlns="" xmlns:a14="http://schemas.microsoft.com/office/drawing/2010/main" w="9525">
                 <a:solidFill>
                   <a:schemeClr val="tx1"/>
                 </a:solidFill>
@@ -5187,7 +5187,7 @@
               </a14:hiddenLine>
             </a:ext>
             <a:ext uri="{AF507438-7753-43e0-B8FC-AC1667EBCBE1}">
-              <a14:hiddenEffects xmlns:a14="http://schemas.microsoft.com/office/drawing/2010/main" xmlns="">
+              <a14:hiddenEffects xmlns="" xmlns:a14="http://schemas.microsoft.com/office/drawing/2010/main">
                 <a:effectLst>
                   <a:outerShdw dist="35921" dir="2700000" algn="ctr" rotWithShape="0">
                     <a:schemeClr val="bg2"/>
@@ -5522,7 +5522,7 @@
           <a:noFill/>
           <a:extLst>
             <a:ext uri="{909E8E84-426E-40dd-AFC4-6F175D3DCCD1}">
-              <a14:hiddenFill xmlns:a14="http://schemas.microsoft.com/office/drawing/2010/main" xmlns="">
+              <a14:hiddenFill xmlns="" xmlns:a14="http://schemas.microsoft.com/office/drawing/2010/main">
                 <a:solidFill>
                   <a:srgbClr val="FFFFFF"/>
                 </a:solidFill>
@@ -5561,7 +5561,7 @@
           <a:noFill/>
           <a:extLst>
             <a:ext uri="{909E8E84-426E-40dd-AFC4-6F175D3DCCD1}">
-              <a14:hiddenFill xmlns:a14="http://schemas.microsoft.com/office/drawing/2010/main" xmlns="">
+              <a14:hiddenFill xmlns="" xmlns:a14="http://schemas.microsoft.com/office/drawing/2010/main">
                 <a:solidFill>
                   <a:srgbClr val="FFFFFF"/>
                 </a:solidFill>
@@ -5613,7 +5613,7 @@
           <a:noFill/>
           <a:extLst>
             <a:ext uri="{909E8E84-426E-40dd-AFC4-6F175D3DCCD1}">
-              <a14:hiddenFill xmlns:a14="http://schemas.microsoft.com/office/drawing/2010/main" xmlns="">
+              <a14:hiddenFill xmlns="" xmlns:a14="http://schemas.microsoft.com/office/drawing/2010/main">
                 <a:solidFill>
                   <a:srgbClr val="FFFFFF"/>
                 </a:solidFill>
@@ -5654,7 +5654,7 @@
           <a:noFill/>
           <a:extLst>
             <a:ext uri="{909E8E84-426E-40dd-AFC4-6F175D3DCCD1}">
-              <a14:hiddenFill xmlns:a14="http://schemas.microsoft.com/office/drawing/2010/main" xmlns="">
+              <a14:hiddenFill xmlns="" xmlns:a14="http://schemas.microsoft.com/office/drawing/2010/main">
                 <a:solidFill>
                   <a:srgbClr val="FFFFFF"/>
                 </a:solidFill>
@@ -5742,14 +5742,14 @@
           <a:effectLst/>
           <a:extLst>
             <a:ext uri="{909E8E84-426E-40dd-AFC4-6F175D3DCCD1}">
-              <a14:hiddenFill xmlns:a14="http://schemas.microsoft.com/office/drawing/2010/main" xmlns="">
+              <a14:hiddenFill xmlns="" xmlns:a14="http://schemas.microsoft.com/office/drawing/2010/main">
                 <a:solidFill>
                   <a:schemeClr val="accent1"/>
                 </a:solidFill>
               </a14:hiddenFill>
             </a:ext>
             <a:ext uri="{91240B29-F687-4f45-9708-019B960494DF}">
-              <a14:hiddenLine xmlns:a14="http://schemas.microsoft.com/office/drawing/2010/main" xmlns="" w="9525">
+              <a14:hiddenLine xmlns="" xmlns:a14="http://schemas.microsoft.com/office/drawing/2010/main" w="9525">
                 <a:solidFill>
                   <a:schemeClr val="tx1"/>
                 </a:solidFill>
@@ -5759,7 +5759,7 @@
               </a14:hiddenLine>
             </a:ext>
             <a:ext uri="{AF507438-7753-43e0-B8FC-AC1667EBCBE1}">
-              <a14:hiddenEffects xmlns:a14="http://schemas.microsoft.com/office/drawing/2010/main" xmlns="">
+              <a14:hiddenEffects xmlns="" xmlns:a14="http://schemas.microsoft.com/office/drawing/2010/main">
                 <a:effectLst>
                   <a:outerShdw dist="35921" dir="2700000" algn="ctr" rotWithShape="0">
                     <a:schemeClr val="bg2"/>
@@ -5806,14 +5806,14 @@
           <a:effectLst/>
           <a:extLst>
             <a:ext uri="{909E8E84-426E-40dd-AFC4-6F175D3DCCD1}">
-              <a14:hiddenFill xmlns:a14="http://schemas.microsoft.com/office/drawing/2010/main" xmlns="">
+              <a14:hiddenFill xmlns="" xmlns:a14="http://schemas.microsoft.com/office/drawing/2010/main">
                 <a:solidFill>
                   <a:schemeClr val="accent1"/>
                 </a:solidFill>
               </a14:hiddenFill>
             </a:ext>
             <a:ext uri="{91240B29-F687-4f45-9708-019B960494DF}">
-              <a14:hiddenLine xmlns:a14="http://schemas.microsoft.com/office/drawing/2010/main" xmlns="" w="9525">
+              <a14:hiddenLine xmlns="" xmlns:a14="http://schemas.microsoft.com/office/drawing/2010/main" w="9525">
                 <a:solidFill>
                   <a:schemeClr val="tx1"/>
                 </a:solidFill>
@@ -5823,7 +5823,7 @@
               </a14:hiddenLine>
             </a:ext>
             <a:ext uri="{AF507438-7753-43e0-B8FC-AC1667EBCBE1}">
-              <a14:hiddenEffects xmlns:a14="http://schemas.microsoft.com/office/drawing/2010/main" xmlns="">
+              <a14:hiddenEffects xmlns="" xmlns:a14="http://schemas.microsoft.com/office/drawing/2010/main">
                 <a:effectLst>
                   <a:outerShdw dist="35921" dir="2700000" algn="ctr" rotWithShape="0">
                     <a:schemeClr val="bg2"/>
@@ -6090,7 +6090,7 @@
           <a:p>
             <a:fld id="{DDFCD08C-45F2-4972-B58E-0165F8DD73B3}" type="datetime1">
               <a:rPr lang="en-US" smtClean="0"/>
-              <a:t>2/2/20</a:t>
+              <a:t>2/3/20</a:t>
             </a:fld>
             <a:endParaRPr lang="en-US"/>
           </a:p>
@@ -6347,7 +6347,7 @@
           <a:p>
             <a:fld id="{66A92A12-140A-45AD-91E4-8A60410740A7}" type="datetime1">
               <a:rPr lang="en-US" smtClean="0"/>
-              <a:t>2/2/20</a:t>
+              <a:t>2/3/20</a:t>
             </a:fld>
             <a:endParaRPr lang="en-US"/>
           </a:p>
@@ -6651,7 +6651,7 @@
           <a:p>
             <a:fld id="{52746EDC-9F92-40D0-8564-FB2328CFB04E}" type="datetime1">
               <a:rPr lang="en-US" smtClean="0"/>
-              <a:t>2/2/20</a:t>
+              <a:t>2/3/20</a:t>
             </a:fld>
             <a:endParaRPr lang="en-US"/>
           </a:p>
@@ -7100,7 +7100,7 @@
           <a:p>
             <a:fld id="{E96C3F91-7C8C-4FDC-BEC9-93A5968DD22D}" type="datetime1">
               <a:rPr lang="en-US" smtClean="0"/>
-              <a:t>2/2/20</a:t>
+              <a:t>2/3/20</a:t>
             </a:fld>
             <a:endParaRPr lang="en-US"/>
           </a:p>
@@ -7233,7 +7233,7 @@
           <a:p>
             <a:fld id="{ED7B798B-8967-4EDE-918B-8E7C60DB7AA6}" type="datetime1">
               <a:rPr lang="en-US" smtClean="0"/>
-              <a:t>2/2/20</a:t>
+              <a:t>2/3/20</a:t>
             </a:fld>
             <a:endParaRPr lang="en-US"/>
           </a:p>
@@ -7339,7 +7339,7 @@
           <a:p>
             <a:fld id="{125BCF9E-F679-44BC-9990-211693B5077A}" type="datetime1">
               <a:rPr lang="en-US" smtClean="0"/>
-              <a:t>2/2/20</a:t>
+              <a:t>2/3/20</a:t>
             </a:fld>
             <a:endParaRPr lang="en-US"/>
           </a:p>
@@ -7688,7 +7688,7 @@
           <a:p>
             <a:fld id="{F2BFDEF7-F228-4136-A2A2-5D84383ABA85}" type="datetime1">
               <a:rPr lang="en-US" smtClean="0"/>
-              <a:t>2/2/20</a:t>
+              <a:t>2/3/20</a:t>
             </a:fld>
             <a:endParaRPr lang="en-US"/>
           </a:p>
@@ -12126,174 +12126,6 @@
       </p:sp>
       <p:sp>
         <p:nvSpPr>
-          <p:cNvPr id="445481" name="Rectangle 41">
-            <a:extLst>
-              <a:ext uri="{FF2B5EF4-FFF2-40B4-BE49-F238E27FC236}">
-                <a16:creationId xmlns:a16="http://schemas.microsoft.com/office/drawing/2014/main" id="{0E4278F6-187C-9C48-913C-00DED695A8F1}"/>
-              </a:ext>
-            </a:extLst>
-          </p:cNvPr>
-          <p:cNvSpPr>
-            <a:spLocks noChangeArrowheads="1"/>
-          </p:cNvSpPr>
-          <p:nvPr/>
-        </p:nvSpPr>
-        <p:spPr bwMode="auto">
-          <a:xfrm>
-            <a:off x="3842492" y="5975350"/>
-            <a:ext cx="1893146" cy="420628"/>
-          </a:xfrm>
-          <a:prstGeom prst="rect">
-            <a:avLst/>
-          </a:prstGeom>
-          <a:noFill/>
-          <a:ln>
-            <a:noFill/>
-          </a:ln>
-          <a:effectLst/>
-          <a:extLst>
-            <a:ext uri="{909E8E84-426E-40DD-AFC4-6F175D3DCCD1}">
-              <a14:hiddenFill xmlns:a14="http://schemas.microsoft.com/office/drawing/2010/main">
-                <a:solidFill>
-                  <a:schemeClr val="accent1"/>
-                </a:solidFill>
-              </a14:hiddenFill>
-            </a:ext>
-            <a:ext uri="{91240B29-F687-4F45-9708-019B960494DF}">
-              <a14:hiddenLine xmlns:a14="http://schemas.microsoft.com/office/drawing/2010/main" w="9525">
-                <a:solidFill>
-                  <a:schemeClr val="tx1"/>
-                </a:solidFill>
-                <a:miter lim="800000"/>
-                <a:headEnd/>
-                <a:tailEnd/>
-              </a14:hiddenLine>
-            </a:ext>
-            <a:ext uri="{AF507438-7753-43E0-B8FC-AC1667EBCBE1}">
-              <a14:hiddenEffects xmlns:a14="http://schemas.microsoft.com/office/drawing/2010/main">
-                <a:effectLst>
-                  <a:outerShdw dist="35921" dir="2700000" algn="ctr" rotWithShape="0">
-                    <a:schemeClr val="bg2"/>
-                  </a:outerShdw>
-                </a:effectLst>
-              </a14:hiddenEffects>
-            </a:ext>
-          </a:extLst>
-        </p:spPr>
-        <p:txBody>
-          <a:bodyPr wrap="none" lIns="55562" tIns="25400" rIns="55562" bIns="25400">
-            <a:spAutoFit/>
-          </a:bodyPr>
-          <a:lstStyle>
-            <a:lvl1pPr defTabSz="314325">
-              <a:defRPr sz="2400">
-                <a:solidFill>
-                  <a:schemeClr val="tx1"/>
-                </a:solidFill>
-                <a:latin typeface="Times New Roman" panose="02020603050405020304" pitchFamily="18" charset="0"/>
-              </a:defRPr>
-            </a:lvl1pPr>
-            <a:lvl2pPr marL="266700" defTabSz="314325">
-              <a:defRPr sz="2400">
-                <a:solidFill>
-                  <a:schemeClr val="tx1"/>
-                </a:solidFill>
-                <a:latin typeface="Times New Roman" panose="02020603050405020304" pitchFamily="18" charset="0"/>
-              </a:defRPr>
-            </a:lvl2pPr>
-            <a:lvl3pPr marL="536575" defTabSz="314325">
-              <a:defRPr sz="2400">
-                <a:solidFill>
-                  <a:schemeClr val="tx1"/>
-                </a:solidFill>
-                <a:latin typeface="Times New Roman" panose="02020603050405020304" pitchFamily="18" charset="0"/>
-              </a:defRPr>
-            </a:lvl3pPr>
-            <a:lvl4pPr marL="806450" defTabSz="314325">
-              <a:defRPr sz="2400">
-                <a:solidFill>
-                  <a:schemeClr val="tx1"/>
-                </a:solidFill>
-                <a:latin typeface="Times New Roman" panose="02020603050405020304" pitchFamily="18" charset="0"/>
-              </a:defRPr>
-            </a:lvl4pPr>
-            <a:lvl5pPr marL="1073150" defTabSz="314325">
-              <a:defRPr sz="2400">
-                <a:solidFill>
-                  <a:schemeClr val="tx1"/>
-                </a:solidFill>
-                <a:latin typeface="Times New Roman" panose="02020603050405020304" pitchFamily="18" charset="0"/>
-              </a:defRPr>
-            </a:lvl5pPr>
-            <a:lvl6pPr marL="1530350" defTabSz="314325" eaLnBrk="0" fontAlgn="base" hangingPunct="0">
-              <a:spcBef>
-                <a:spcPct val="0"/>
-              </a:spcBef>
-              <a:spcAft>
-                <a:spcPct val="0"/>
-              </a:spcAft>
-              <a:defRPr sz="2400">
-                <a:solidFill>
-                  <a:schemeClr val="tx1"/>
-                </a:solidFill>
-                <a:latin typeface="Times New Roman" panose="02020603050405020304" pitchFamily="18" charset="0"/>
-              </a:defRPr>
-            </a:lvl6pPr>
-            <a:lvl7pPr marL="1987550" defTabSz="314325" eaLnBrk="0" fontAlgn="base" hangingPunct="0">
-              <a:spcBef>
-                <a:spcPct val="0"/>
-              </a:spcBef>
-              <a:spcAft>
-                <a:spcPct val="0"/>
-              </a:spcAft>
-              <a:defRPr sz="2400">
-                <a:solidFill>
-                  <a:schemeClr val="tx1"/>
-                </a:solidFill>
-                <a:latin typeface="Times New Roman" panose="02020603050405020304" pitchFamily="18" charset="0"/>
-              </a:defRPr>
-            </a:lvl7pPr>
-            <a:lvl8pPr marL="2444750" defTabSz="314325" eaLnBrk="0" fontAlgn="base" hangingPunct="0">
-              <a:spcBef>
-                <a:spcPct val="0"/>
-              </a:spcBef>
-              <a:spcAft>
-                <a:spcPct val="0"/>
-              </a:spcAft>
-              <a:defRPr sz="2400">
-                <a:solidFill>
-                  <a:schemeClr val="tx1"/>
-                </a:solidFill>
-                <a:latin typeface="Times New Roman" panose="02020603050405020304" pitchFamily="18" charset="0"/>
-              </a:defRPr>
-            </a:lvl8pPr>
-            <a:lvl9pPr marL="2901950" defTabSz="314325" eaLnBrk="0" fontAlgn="base" hangingPunct="0">
-              <a:spcBef>
-                <a:spcPct val="0"/>
-              </a:spcBef>
-              <a:spcAft>
-                <a:spcPct val="0"/>
-              </a:spcAft>
-              <a:defRPr sz="2400">
-                <a:solidFill>
-                  <a:schemeClr val="tx1"/>
-                </a:solidFill>
-                <a:latin typeface="Times New Roman" panose="02020603050405020304" pitchFamily="18" charset="0"/>
-              </a:defRPr>
-            </a:lvl9pPr>
-          </a:lstStyle>
-          <a:p>
-            <a:r>
-              <a:rPr lang="en-US" altLang="en-US" dirty="0">
-                <a:latin typeface="Arial" panose="020B0604020202020204" pitchFamily="34" charset="0"/>
-              </a:rPr>
-              <a:t>Biopsy death</a:t>
-            </a:r>
-          </a:p>
-        </p:txBody>
-      </p:sp>
-      <p:sp>
-        <p:nvSpPr>
           <p:cNvPr id="445482" name="Rectangle 42">
             <a:extLst>
               <a:ext uri="{FF2B5EF4-FFF2-40B4-BE49-F238E27FC236}">
@@ -12458,7 +12290,7 @@
                 </a:solidFill>
                 <a:latin typeface="Arial" panose="020B0604020202020204" pitchFamily="34" charset="0"/>
               </a:rPr>
-              <a:t>0.95</a:t>
+              <a:t>0.995</a:t>
             </a:r>
           </a:p>
         </p:txBody>
@@ -12629,7 +12461,7 @@
                 </a:solidFill>
                 <a:latin typeface="Arial" panose="020B0604020202020204" pitchFamily="34" charset="0"/>
               </a:rPr>
-              <a:t>0.05</a:t>
+              <a:t>0.005</a:t>
             </a:r>
           </a:p>
         </p:txBody>
@@ -12822,6 +12654,174 @@
               <a:t>10</a:t>
             </a:fld>
             <a:endParaRPr lang="en-US"/>
+          </a:p>
+        </p:txBody>
+      </p:sp>
+      <p:sp>
+        <p:nvSpPr>
+          <p:cNvPr id="39" name="Rectangle 34">
+            <a:extLst>
+              <a:ext uri="{FF2B5EF4-FFF2-40B4-BE49-F238E27FC236}">
+                <a16:creationId xmlns:a16="http://schemas.microsoft.com/office/drawing/2014/main" id="{9C5D82C3-8FF9-304C-AD5F-27C0C04753F2}"/>
+              </a:ext>
+            </a:extLst>
+          </p:cNvPr>
+          <p:cNvSpPr>
+            <a:spLocks noChangeArrowheads="1"/>
+          </p:cNvSpPr>
+          <p:nvPr/>
+        </p:nvSpPr>
+        <p:spPr bwMode="auto">
+          <a:xfrm>
+            <a:off x="4138189" y="5934016"/>
+            <a:ext cx="1893146" cy="420628"/>
+          </a:xfrm>
+          <a:prstGeom prst="rect">
+            <a:avLst/>
+          </a:prstGeom>
+          <a:noFill/>
+          <a:ln>
+            <a:noFill/>
+          </a:ln>
+          <a:effectLst/>
+          <a:extLst>
+            <a:ext uri="{909E8E84-426E-40DD-AFC4-6F175D3DCCD1}">
+              <a14:hiddenFill xmlns:a14="http://schemas.microsoft.com/office/drawing/2010/main">
+                <a:solidFill>
+                  <a:schemeClr val="accent1"/>
+                </a:solidFill>
+              </a14:hiddenFill>
+            </a:ext>
+            <a:ext uri="{91240B29-F687-4F45-9708-019B960494DF}">
+              <a14:hiddenLine xmlns:a14="http://schemas.microsoft.com/office/drawing/2010/main" w="9525">
+                <a:solidFill>
+                  <a:schemeClr val="tx1"/>
+                </a:solidFill>
+                <a:miter lim="800000"/>
+                <a:headEnd/>
+                <a:tailEnd/>
+              </a14:hiddenLine>
+            </a:ext>
+            <a:ext uri="{AF507438-7753-43E0-B8FC-AC1667EBCBE1}">
+              <a14:hiddenEffects xmlns:a14="http://schemas.microsoft.com/office/drawing/2010/main">
+                <a:effectLst>
+                  <a:outerShdw dist="35921" dir="2700000" algn="ctr" rotWithShape="0">
+                    <a:schemeClr val="bg2"/>
+                  </a:outerShdw>
+                </a:effectLst>
+              </a14:hiddenEffects>
+            </a:ext>
+          </a:extLst>
+        </p:spPr>
+        <p:txBody>
+          <a:bodyPr wrap="none" lIns="55562" tIns="25400" rIns="55562" bIns="25400">
+            <a:spAutoFit/>
+          </a:bodyPr>
+          <a:lstStyle>
+            <a:lvl1pPr defTabSz="314325">
+              <a:defRPr sz="2400">
+                <a:solidFill>
+                  <a:schemeClr val="tx1"/>
+                </a:solidFill>
+                <a:latin typeface="Times New Roman" panose="02020603050405020304" pitchFamily="18" charset="0"/>
+              </a:defRPr>
+            </a:lvl1pPr>
+            <a:lvl2pPr marL="266700" defTabSz="314325">
+              <a:defRPr sz="2400">
+                <a:solidFill>
+                  <a:schemeClr val="tx1"/>
+                </a:solidFill>
+                <a:latin typeface="Times New Roman" panose="02020603050405020304" pitchFamily="18" charset="0"/>
+              </a:defRPr>
+            </a:lvl2pPr>
+            <a:lvl3pPr marL="536575" defTabSz="314325">
+              <a:defRPr sz="2400">
+                <a:solidFill>
+                  <a:schemeClr val="tx1"/>
+                </a:solidFill>
+                <a:latin typeface="Times New Roman" panose="02020603050405020304" pitchFamily="18" charset="0"/>
+              </a:defRPr>
+            </a:lvl3pPr>
+            <a:lvl4pPr marL="806450" defTabSz="314325">
+              <a:defRPr sz="2400">
+                <a:solidFill>
+                  <a:schemeClr val="tx1"/>
+                </a:solidFill>
+                <a:latin typeface="Times New Roman" panose="02020603050405020304" pitchFamily="18" charset="0"/>
+              </a:defRPr>
+            </a:lvl4pPr>
+            <a:lvl5pPr marL="1073150" defTabSz="314325">
+              <a:defRPr sz="2400">
+                <a:solidFill>
+                  <a:schemeClr val="tx1"/>
+                </a:solidFill>
+                <a:latin typeface="Times New Roman" panose="02020603050405020304" pitchFamily="18" charset="0"/>
+              </a:defRPr>
+            </a:lvl5pPr>
+            <a:lvl6pPr marL="1530350" defTabSz="314325" eaLnBrk="0" fontAlgn="base" hangingPunct="0">
+              <a:spcBef>
+                <a:spcPct val="0"/>
+              </a:spcBef>
+              <a:spcAft>
+                <a:spcPct val="0"/>
+              </a:spcAft>
+              <a:defRPr sz="2400">
+                <a:solidFill>
+                  <a:schemeClr val="tx1"/>
+                </a:solidFill>
+                <a:latin typeface="Times New Roman" panose="02020603050405020304" pitchFamily="18" charset="0"/>
+              </a:defRPr>
+            </a:lvl6pPr>
+            <a:lvl7pPr marL="1987550" defTabSz="314325" eaLnBrk="0" fontAlgn="base" hangingPunct="0">
+              <a:spcBef>
+                <a:spcPct val="0"/>
+              </a:spcBef>
+              <a:spcAft>
+                <a:spcPct val="0"/>
+              </a:spcAft>
+              <a:defRPr sz="2400">
+                <a:solidFill>
+                  <a:schemeClr val="tx1"/>
+                </a:solidFill>
+                <a:latin typeface="Times New Roman" panose="02020603050405020304" pitchFamily="18" charset="0"/>
+              </a:defRPr>
+            </a:lvl7pPr>
+            <a:lvl8pPr marL="2444750" defTabSz="314325" eaLnBrk="0" fontAlgn="base" hangingPunct="0">
+              <a:spcBef>
+                <a:spcPct val="0"/>
+              </a:spcBef>
+              <a:spcAft>
+                <a:spcPct val="0"/>
+              </a:spcAft>
+              <a:defRPr sz="2400">
+                <a:solidFill>
+                  <a:schemeClr val="tx1"/>
+                </a:solidFill>
+                <a:latin typeface="Times New Roman" panose="02020603050405020304" pitchFamily="18" charset="0"/>
+              </a:defRPr>
+            </a:lvl8pPr>
+            <a:lvl9pPr marL="2901950" defTabSz="314325" eaLnBrk="0" fontAlgn="base" hangingPunct="0">
+              <a:spcBef>
+                <a:spcPct val="0"/>
+              </a:spcBef>
+              <a:spcAft>
+                <a:spcPct val="0"/>
+              </a:spcAft>
+              <a:defRPr sz="2400">
+                <a:solidFill>
+                  <a:schemeClr val="tx1"/>
+                </a:solidFill>
+                <a:latin typeface="Times New Roman" panose="02020603050405020304" pitchFamily="18" charset="0"/>
+              </a:defRPr>
+            </a:lvl9pPr>
+          </a:lstStyle>
+          <a:p>
+            <a:r>
+              <a:rPr lang="en-US" altLang="en-US" dirty="0">
+                <a:latin typeface="Arial" panose="020B0604020202020204" pitchFamily="34" charset="0"/>
+              </a:rPr>
+              <a:t>Biopsy death</a:t>
+            </a:r>
           </a:p>
         </p:txBody>
       </p:sp>
@@ -42809,7 +42809,7 @@
             </a:r>
             <a:r>
               <a:rPr lang="en-US" altLang="en-US" sz="2800" b="0" dirty="0"/>
-              <a:t>It is possible to obtain a definitive diagnosis by means of brain biopsy, but this procedure itself carries a rate of mortality or severe sequelae of 5%. </a:t>
+              <a:t>It is possible to obtain a definitive diagnosis by means of brain biopsy, but this procedure itself carries a risk of mortality of 0.5%. </a:t>
             </a:r>
           </a:p>
         </p:txBody>
